--- a/lesson15.pptx
+++ b/lesson15.pptx
@@ -232,6 +232,61 @@
       </pc:sldChg>
     </pc:docChg>
   </pc:docChgLst>
+  <pc:docChgLst>
+    <pc:chgData name="Anatoliy Kigel" userId="7432c6c4687b0a9c" providerId="LiveId" clId="{4F67D0C9-B1B8-42EC-A2F3-2E4754BB9255}"/>
+    <pc:docChg chg="custSel modSld">
+      <pc:chgData name="Anatoliy Kigel" userId="7432c6c4687b0a9c" providerId="LiveId" clId="{4F67D0C9-B1B8-42EC-A2F3-2E4754BB9255}" dt="2021-07-01T20:41:28.666" v="13" actId="1036"/>
+      <pc:docMkLst>
+        <pc:docMk/>
+      </pc:docMkLst>
+      <pc:sldChg chg="delSp modSp mod">
+        <pc:chgData name="Anatoliy Kigel" userId="7432c6c4687b0a9c" providerId="LiveId" clId="{4F67D0C9-B1B8-42EC-A2F3-2E4754BB9255}" dt="2021-07-01T20:41:28.666" v="13" actId="1036"/>
+        <pc:sldMkLst>
+          <pc:docMk/>
+          <pc:sldMk cId="0" sldId="327"/>
+        </pc:sldMkLst>
+        <pc:spChg chg="mod">
+          <ac:chgData name="Anatoliy Kigel" userId="7432c6c4687b0a9c" providerId="LiveId" clId="{4F67D0C9-B1B8-42EC-A2F3-2E4754BB9255}" dt="2021-07-01T20:41:28.666" v="13" actId="1036"/>
+          <ac:spMkLst>
+            <pc:docMk/>
+            <pc:sldMk cId="0" sldId="327"/>
+            <ac:spMk id="3" creationId="{00000000-0000-0000-0000-000000000000}"/>
+          </ac:spMkLst>
+        </pc:spChg>
+        <pc:spChg chg="del">
+          <ac:chgData name="Anatoliy Kigel" userId="7432c6c4687b0a9c" providerId="LiveId" clId="{4F67D0C9-B1B8-42EC-A2F3-2E4754BB9255}" dt="2021-07-01T20:41:12.752" v="0" actId="478"/>
+          <ac:spMkLst>
+            <pc:docMk/>
+            <pc:sldMk cId="0" sldId="327"/>
+            <ac:spMk id="8" creationId="{00000000-0000-0000-0000-000000000000}"/>
+          </ac:spMkLst>
+        </pc:spChg>
+        <pc:picChg chg="mod">
+          <ac:chgData name="Anatoliy Kigel" userId="7432c6c4687b0a9c" providerId="LiveId" clId="{4F67D0C9-B1B8-42EC-A2F3-2E4754BB9255}" dt="2021-07-01T20:41:27.407" v="11" actId="1036"/>
+          <ac:picMkLst>
+            <pc:docMk/>
+            <pc:sldMk cId="0" sldId="327"/>
+            <ac:picMk id="3074" creationId="{00000000-0000-0000-0000-000000000000}"/>
+          </ac:picMkLst>
+        </pc:picChg>
+      </pc:sldChg>
+      <pc:sldChg chg="modSp mod">
+        <pc:chgData name="Anatoliy Kigel" userId="7432c6c4687b0a9c" providerId="LiveId" clId="{4F67D0C9-B1B8-42EC-A2F3-2E4754BB9255}" dt="2021-07-01T20:41:19.519" v="2" actId="20577"/>
+        <pc:sldMkLst>
+          <pc:docMk/>
+          <pc:sldMk cId="2279360551" sldId="385"/>
+        </pc:sldMkLst>
+        <pc:spChg chg="mod">
+          <ac:chgData name="Anatoliy Kigel" userId="7432c6c4687b0a9c" providerId="LiveId" clId="{4F67D0C9-B1B8-42EC-A2F3-2E4754BB9255}" dt="2021-07-01T20:41:19.519" v="2" actId="20577"/>
+          <ac:spMkLst>
+            <pc:docMk/>
+            <pc:sldMk cId="2279360551" sldId="385"/>
+            <ac:spMk id="5" creationId="{00000000-0000-0000-0000-000000000000}"/>
+          </ac:spMkLst>
+        </pc:spChg>
+      </pc:sldChg>
+    </pc:docChg>
+  </pc:docChgLst>
 </pc:chgInfo>
 </file>
 
@@ -318,7 +373,7 @@
             <a:fld id="{85522811-C5C6-42D2-A409-F8556720C93F}" type="datetimeFigureOut">
               <a:rPr lang="uk-UA" smtClean="0"/>
               <a:pPr/>
-              <a:t>19.05.2021</a:t>
+              <a:t>01.07.2021</a:t>
             </a:fld>
             <a:endParaRPr lang="uk-UA"/>
           </a:p>
@@ -863,7 +918,7 @@
             <a:fld id="{0A2E6AC4-C3FE-4E70-88D1-136405B25267}" type="datetime1">
               <a:rPr lang="uk-UA" smtClean="0"/>
               <a:pPr/>
-              <a:t>19.05.2021</a:t>
+              <a:t>01.07.2021</a:t>
             </a:fld>
             <a:endParaRPr lang="uk-UA"/>
           </a:p>
@@ -1030,7 +1085,7 @@
             <a:fld id="{B4D85949-5AE9-41F1-B18C-DA1006B0E8CC}" type="datetime1">
               <a:rPr lang="uk-UA" smtClean="0"/>
               <a:pPr/>
-              <a:t>19.05.2021</a:t>
+              <a:t>01.07.2021</a:t>
             </a:fld>
             <a:endParaRPr lang="uk-UA"/>
           </a:p>
@@ -1207,7 +1262,7 @@
             <a:fld id="{B20C227C-94C5-4BA1-A89C-1C7570144B22}" type="datetime1">
               <a:rPr lang="uk-UA" smtClean="0"/>
               <a:pPr/>
-              <a:t>19.05.2021</a:t>
+              <a:t>01.07.2021</a:t>
             </a:fld>
             <a:endParaRPr lang="uk-UA"/>
           </a:p>
@@ -1374,7 +1429,7 @@
             <a:fld id="{68E2E168-B245-4D8D-8538-B29990DBF87B}" type="datetime1">
               <a:rPr lang="uk-UA" smtClean="0"/>
               <a:pPr/>
-              <a:t>19.05.2021</a:t>
+              <a:t>01.07.2021</a:t>
             </a:fld>
             <a:endParaRPr lang="uk-UA"/>
           </a:p>
@@ -1617,7 +1672,7 @@
             <a:fld id="{356DAF6E-7007-4E61-B36E-794BF232B234}" type="datetime1">
               <a:rPr lang="uk-UA" smtClean="0"/>
               <a:pPr/>
-              <a:t>19.05.2021</a:t>
+              <a:t>01.07.2021</a:t>
             </a:fld>
             <a:endParaRPr lang="uk-UA"/>
           </a:p>
@@ -1902,7 +1957,7 @@
             <a:fld id="{4B2141DD-FE72-44AA-B946-B70892F1F5B7}" type="datetime1">
               <a:rPr lang="uk-UA" smtClean="0"/>
               <a:pPr/>
-              <a:t>19.05.2021</a:t>
+              <a:t>01.07.2021</a:t>
             </a:fld>
             <a:endParaRPr lang="uk-UA"/>
           </a:p>
@@ -2321,7 +2376,7 @@
             <a:fld id="{D1C4DC7C-6CC4-4D1F-A21B-A650800E0532}" type="datetime1">
               <a:rPr lang="uk-UA" smtClean="0"/>
               <a:pPr/>
-              <a:t>19.05.2021</a:t>
+              <a:t>01.07.2021</a:t>
             </a:fld>
             <a:endParaRPr lang="uk-UA"/>
           </a:p>
@@ -2436,7 +2491,7 @@
             <a:fld id="{09E753FA-BE70-4E9D-A1A2-A798C2E22C2C}" type="datetime1">
               <a:rPr lang="uk-UA" smtClean="0"/>
               <a:pPr/>
-              <a:t>19.05.2021</a:t>
+              <a:t>01.07.2021</a:t>
             </a:fld>
             <a:endParaRPr lang="uk-UA"/>
           </a:p>
@@ -2528,7 +2583,7 @@
             <a:fld id="{BC4E9D1B-A194-48C6-B5A1-4C29D0F81227}" type="datetime1">
               <a:rPr lang="uk-UA" smtClean="0"/>
               <a:pPr/>
-              <a:t>19.05.2021</a:t>
+              <a:t>01.07.2021</a:t>
             </a:fld>
             <a:endParaRPr lang="uk-UA"/>
           </a:p>
@@ -2802,7 +2857,7 @@
             <a:fld id="{98DC5B78-3AEE-4E8C-84A2-DF8B252C6B7D}" type="datetime1">
               <a:rPr lang="uk-UA" smtClean="0"/>
               <a:pPr/>
-              <a:t>19.05.2021</a:t>
+              <a:t>01.07.2021</a:t>
             </a:fld>
             <a:endParaRPr lang="uk-UA"/>
           </a:p>
@@ -3052,7 +3107,7 @@
             <a:fld id="{08E6AC05-7690-4D29-B090-15CFA8055B58}" type="datetime1">
               <a:rPr lang="uk-UA" smtClean="0"/>
               <a:pPr/>
-              <a:t>19.05.2021</a:t>
+              <a:t>01.07.2021</a:t>
             </a:fld>
             <a:endParaRPr lang="uk-UA"/>
           </a:p>
@@ -3262,7 +3317,7 @@
             <a:fld id="{C4778AB5-85A2-4D58-9351-A198925B541D}" type="datetime1">
               <a:rPr lang="uk-UA" smtClean="0"/>
               <a:pPr/>
-              <a:t>19.05.2021</a:t>
+              <a:t>01.07.2021</a:t>
             </a:fld>
             <a:endParaRPr lang="uk-UA"/>
           </a:p>
@@ -5731,13 +5786,6 @@
               <a:rPr lang="ru-RU" sz="6000" b="1" dirty="0"/>
               <a:t>Ввод данных на странице</a:t>
             </a:r>
-            <a:br>
-              <a:rPr lang="ru-RU" sz="6000" b="1" dirty="0"/>
-            </a:br>
-            <a:r>
-              <a:rPr lang="ru-RU" sz="6000" b="1" dirty="0"/>
-              <a:t>Формы/Элементы ввода</a:t>
-            </a:r>
             <a:endParaRPr lang="uk-UA" sz="6000" b="1" dirty="0"/>
           </a:p>
         </p:txBody>
@@ -6446,8 +6494,8 @@
         </p:nvSpPr>
         <p:spPr>
           <a:xfrm>
-            <a:off x="0" y="632882"/>
-            <a:ext cx="12192000" cy="707886"/>
+            <a:off x="0" y="777478"/>
+            <a:ext cx="12192000" cy="923330"/>
           </a:xfrm>
           <a:prstGeom prst="rect">
             <a:avLst/>
@@ -6462,54 +6510,8 @@
           <a:p>
             <a:pPr algn="ctr"/>
             <a:r>
-              <a:rPr lang="ru-RU" sz="4000" b="1" dirty="0"/>
-              <a:t>Элементы ввода, формы</a:t>
-            </a:r>
-          </a:p>
-        </p:txBody>
-      </p:sp>
-      <p:sp>
-        <p:nvSpPr>
-          <p:cNvPr id="8" name="TextBox 7"/>
-          <p:cNvSpPr txBox="1"/>
-          <p:nvPr/>
-        </p:nvSpPr>
-        <p:spPr>
-          <a:xfrm>
-            <a:off x="2639616" y="4913292"/>
-            <a:ext cx="6912768" cy="1107996"/>
-          </a:xfrm>
-          <a:prstGeom prst="rect">
-            <a:avLst/>
-          </a:prstGeom>
-          <a:noFill/>
-        </p:spPr>
-        <p:txBody>
-          <a:bodyPr wrap="square" rtlCol="0">
-            <a:spAutoFit/>
-          </a:bodyPr>
-          <a:lstStyle/>
-          <a:p>
-            <a:pPr algn="ctr"/>
-            <a:r>
-              <a:rPr lang="en-US" sz="6600" b="1" dirty="0">
-                <a:solidFill>
-                  <a:srgbClr val="3333CC"/>
-                </a:solidFill>
-              </a:rPr>
-              <a:t>&lt;form&gt; </a:t>
-            </a:r>
-            <a:r>
-              <a:rPr lang="en-US" sz="6600" b="1" dirty="0"/>
-              <a:t>…</a:t>
-            </a:r>
-            <a:r>
-              <a:rPr lang="en-US" sz="6600" b="1" dirty="0">
-                <a:solidFill>
-                  <a:srgbClr val="3333CC"/>
-                </a:solidFill>
-              </a:rPr>
-              <a:t> &lt;/form&gt;</a:t>
+              <a:rPr lang="ru-RU" sz="5400" b="1" dirty="0"/>
+              <a:t>Элементы ввода</a:t>
             </a:r>
           </a:p>
         </p:txBody>
@@ -6531,7 +6533,7 @@
         </p:blipFill>
         <p:spPr bwMode="auto">
           <a:xfrm>
-            <a:off x="2169173" y="1844824"/>
+            <a:off x="2169173" y="2204864"/>
             <a:ext cx="7853653" cy="2520280"/>
           </a:xfrm>
           <a:prstGeom prst="rect">
